--- a/Guidance.pptx
+++ b/Guidance.pptx
@@ -5,22 +5,23 @@
     <p:sldMasterId id="2147483768" r:id="rId1"/>
   </p:sldMasterIdLst>
   <p:notesMasterIdLst>
-    <p:notesMasterId r:id="rId15"/>
+    <p:notesMasterId r:id="rId16"/>
   </p:notesMasterIdLst>
   <p:sldIdLst>
-    <p:sldId id="256" r:id="rId2"/>
-    <p:sldId id="257" r:id="rId3"/>
-    <p:sldId id="258" r:id="rId4"/>
-    <p:sldId id="259" r:id="rId5"/>
-    <p:sldId id="260" r:id="rId6"/>
-    <p:sldId id="261" r:id="rId7"/>
-    <p:sldId id="270" r:id="rId8"/>
-    <p:sldId id="264" r:id="rId9"/>
-    <p:sldId id="269" r:id="rId10"/>
-    <p:sldId id="266" r:id="rId11"/>
-    <p:sldId id="267" r:id="rId12"/>
-    <p:sldId id="268" r:id="rId13"/>
-    <p:sldId id="271" r:id="rId14"/>
+    <p:sldId id="272" r:id="rId2"/>
+    <p:sldId id="256" r:id="rId3"/>
+    <p:sldId id="257" r:id="rId4"/>
+    <p:sldId id="258" r:id="rId5"/>
+    <p:sldId id="259" r:id="rId6"/>
+    <p:sldId id="260" r:id="rId7"/>
+    <p:sldId id="261" r:id="rId8"/>
+    <p:sldId id="270" r:id="rId9"/>
+    <p:sldId id="264" r:id="rId10"/>
+    <p:sldId id="269" r:id="rId11"/>
+    <p:sldId id="266" r:id="rId12"/>
+    <p:sldId id="267" r:id="rId13"/>
+    <p:sldId id="268" r:id="rId14"/>
+    <p:sldId id="271" r:id="rId15"/>
   </p:sldIdLst>
   <p:sldSz cx="12192000" cy="6858000"/>
   <p:notesSz cx="6858000" cy="9144000"/>
@@ -558,7 +559,7 @@
           <a:p>
             <a:fld id="{A0256C31-9E51-47A0-8028-C1ABDAE14E8D}" type="slidenum">
               <a:rPr lang="en-GB" smtClean="0"/>
-              <a:t>1</a:t>
+              <a:t>2</a:t>
             </a:fld>
             <a:endParaRPr lang="en-GB"/>
           </a:p>
@@ -642,7 +643,7 @@
           <a:p>
             <a:fld id="{A0256C31-9E51-47A0-8028-C1ABDAE14E8D}" type="slidenum">
               <a:rPr lang="en-GB" smtClean="0"/>
-              <a:t>10</a:t>
+              <a:t>11</a:t>
             </a:fld>
             <a:endParaRPr lang="en-GB"/>
           </a:p>
@@ -726,7 +727,7 @@
           <a:p>
             <a:fld id="{A0256C31-9E51-47A0-8028-C1ABDAE14E8D}" type="slidenum">
               <a:rPr lang="en-GB" smtClean="0"/>
-              <a:t>11</a:t>
+              <a:t>12</a:t>
             </a:fld>
             <a:endParaRPr lang="en-GB"/>
           </a:p>
@@ -810,7 +811,7 @@
           <a:p>
             <a:fld id="{A0256C31-9E51-47A0-8028-C1ABDAE14E8D}" type="slidenum">
               <a:rPr lang="en-GB" smtClean="0"/>
-              <a:t>12</a:t>
+              <a:t>13</a:t>
             </a:fld>
             <a:endParaRPr lang="en-GB"/>
           </a:p>
@@ -894,7 +895,7 @@
           <a:p>
             <a:fld id="{A0256C31-9E51-47A0-8028-C1ABDAE14E8D}" type="slidenum">
               <a:rPr lang="en-GB" smtClean="0"/>
-              <a:t>2</a:t>
+              <a:t>3</a:t>
             </a:fld>
             <a:endParaRPr lang="en-GB"/>
           </a:p>
@@ -978,7 +979,7 @@
           <a:p>
             <a:fld id="{A0256C31-9E51-47A0-8028-C1ABDAE14E8D}" type="slidenum">
               <a:rPr lang="en-GB" smtClean="0"/>
-              <a:t>3</a:t>
+              <a:t>4</a:t>
             </a:fld>
             <a:endParaRPr lang="en-GB"/>
           </a:p>
@@ -1062,7 +1063,7 @@
           <a:p>
             <a:fld id="{A0256C31-9E51-47A0-8028-C1ABDAE14E8D}" type="slidenum">
               <a:rPr lang="en-GB" smtClean="0"/>
-              <a:t>4</a:t>
+              <a:t>5</a:t>
             </a:fld>
             <a:endParaRPr lang="en-GB"/>
           </a:p>
@@ -1146,7 +1147,7 @@
           <a:p>
             <a:fld id="{A0256C31-9E51-47A0-8028-C1ABDAE14E8D}" type="slidenum">
               <a:rPr lang="en-GB" smtClean="0"/>
-              <a:t>5</a:t>
+              <a:t>6</a:t>
             </a:fld>
             <a:endParaRPr lang="en-GB"/>
           </a:p>
@@ -1230,7 +1231,7 @@
           <a:p>
             <a:fld id="{A0256C31-9E51-47A0-8028-C1ABDAE14E8D}" type="slidenum">
               <a:rPr lang="en-GB" smtClean="0"/>
-              <a:t>6</a:t>
+              <a:t>7</a:t>
             </a:fld>
             <a:endParaRPr lang="en-GB"/>
           </a:p>
@@ -1314,7 +1315,7 @@
           <a:p>
             <a:fld id="{A0256C31-9E51-47A0-8028-C1ABDAE14E8D}" type="slidenum">
               <a:rPr lang="en-GB" smtClean="0"/>
-              <a:t>7</a:t>
+              <a:t>8</a:t>
             </a:fld>
             <a:endParaRPr lang="en-GB"/>
           </a:p>
@@ -1398,7 +1399,7 @@
           <a:p>
             <a:fld id="{A0256C31-9E51-47A0-8028-C1ABDAE14E8D}" type="slidenum">
               <a:rPr lang="en-GB" smtClean="0"/>
-              <a:t>8</a:t>
+              <a:t>9</a:t>
             </a:fld>
             <a:endParaRPr lang="en-GB"/>
           </a:p>
@@ -1482,7 +1483,7 @@
           <a:p>
             <a:fld id="{A0256C31-9E51-47A0-8028-C1ABDAE14E8D}" type="slidenum">
               <a:rPr lang="en-GB" smtClean="0"/>
-              <a:t>9</a:t>
+              <a:t>10</a:t>
             </a:fld>
             <a:endParaRPr lang="en-GB"/>
           </a:p>
@@ -4711,7 +4712,7 @@
           <p:cNvPr id="2" name="Title 1">
             <a:extLst>
               <a:ext uri="{FF2B5EF4-FFF2-40B4-BE49-F238E27FC236}">
-                <a16:creationId xmlns:a16="http://schemas.microsoft.com/office/drawing/2014/main" id="{405E2BE6-4E55-4E11-AB2F-33839C9301F5}"/>
+                <a16:creationId xmlns:a16="http://schemas.microsoft.com/office/drawing/2014/main" id="{26941DF5-18B9-42C1-9D61-04E51EE9CDBF}"/>
               </a:ext>
             </a:extLst>
           </p:cNvPr>
@@ -4722,47 +4723,28 @@
             <p:ph type="ctrTitle"/>
           </p:nvPr>
         </p:nvSpPr>
-        <p:spPr/>
-        <p:txBody>
-          <a:bodyPr/>
-          <a:lstStyle/>
-          <a:p>
-            <a:r>
-              <a:rPr lang="en-GB" dirty="0"/>
-              <a:t>Guidance</a:t>
-            </a:r>
-          </a:p>
-        </p:txBody>
-      </p:sp>
-      <p:sp>
-        <p:nvSpPr>
-          <p:cNvPr id="3" name="Subtitle 2">
-            <a:extLst>
-              <a:ext uri="{FF2B5EF4-FFF2-40B4-BE49-F238E27FC236}">
-                <a16:creationId xmlns:a16="http://schemas.microsoft.com/office/drawing/2014/main" id="{780AEBE9-5069-459A-AA09-F60AFD24D2A7}"/>
-              </a:ext>
-            </a:extLst>
-          </p:cNvPr>
-          <p:cNvSpPr>
-            <a:spLocks noGrp="1"/>
-          </p:cNvSpPr>
-          <p:nvPr>
-            <p:ph type="subTitle" idx="1"/>
-          </p:nvPr>
-        </p:nvSpPr>
-        <p:spPr/>
+        <p:spPr>
+          <a:xfrm>
+            <a:off x="766918" y="1995949"/>
+            <a:ext cx="10776154" cy="2793799"/>
+          </a:xfrm>
+        </p:spPr>
         <p:txBody>
           <a:bodyPr>
             <a:normAutofit/>
           </a:bodyPr>
           <a:lstStyle/>
           <a:p>
-            <a:endParaRPr lang="en-GB" dirty="0"/>
-          </a:p>
-          <a:p>
             <a:r>
               <a:rPr lang="en-GB" dirty="0"/>
-              <a:t>If Only Creations</a:t>
+              <a:t>To view the handout:</a:t>
+            </a:r>
+            <a:br>
+              <a:rPr lang="en-GB" dirty="0"/>
+            </a:br>
+            <a:r>
+              <a:rPr lang="en-GB" sz="1800" dirty="0"/>
+              <a:t>https://github.com/HoaxShark/If-Only/blob/master/handout.pub</a:t>
             </a:r>
           </a:p>
         </p:txBody>
@@ -4770,7 +4752,7 @@
     </p:spTree>
     <p:extLst>
       <p:ext uri="{BB962C8B-B14F-4D97-AF65-F5344CB8AC3E}">
-        <p14:creationId xmlns:p14="http://schemas.microsoft.com/office/powerpoint/2010/main" val="3741135292"/>
+        <p14:creationId xmlns:p14="http://schemas.microsoft.com/office/powerpoint/2010/main" val="226582784"/>
       </p:ext>
     </p:extLst>
   </p:cSld>
@@ -4802,7 +4784,7 @@
           <p:cNvPr id="2" name="Title 1">
             <a:extLst>
               <a:ext uri="{FF2B5EF4-FFF2-40B4-BE49-F238E27FC236}">
-                <a16:creationId xmlns:a16="http://schemas.microsoft.com/office/drawing/2014/main" id="{BABE7A99-5D0E-4795-8637-CACEFC70DA8F}"/>
+                <a16:creationId xmlns:a16="http://schemas.microsoft.com/office/drawing/2014/main" id="{010ACB68-C8F8-4057-9961-9D20FC690DA9}"/>
               </a:ext>
             </a:extLst>
           </p:cNvPr>
@@ -4820,7 +4802,7 @@
           <a:p>
             <a:r>
               <a:rPr lang="en-GB" dirty="0"/>
-              <a:t>Preliminary Income Projection</a:t>
+              <a:t>Business Offer</a:t>
             </a:r>
           </a:p>
         </p:txBody>
@@ -4830,7 +4812,7 @@
           <p:cNvPr id="3" name="Content Placeholder 2">
             <a:extLst>
               <a:ext uri="{FF2B5EF4-FFF2-40B4-BE49-F238E27FC236}">
-                <a16:creationId xmlns:a16="http://schemas.microsoft.com/office/drawing/2014/main" id="{B566687F-BA03-4EC7-ABEB-2B60BA314FAA}"/>
+                <a16:creationId xmlns:a16="http://schemas.microsoft.com/office/drawing/2014/main" id="{27B3D291-6660-48AD-A04C-52319BA98F72}"/>
               </a:ext>
             </a:extLst>
           </p:cNvPr>
@@ -4843,58 +4825,24 @@
         </p:nvSpPr>
         <p:spPr/>
         <p:txBody>
-          <a:bodyPr>
-            <a:normAutofit/>
-          </a:bodyPr>
+          <a:bodyPr/>
           <a:lstStyle/>
           <a:p>
             <a:r>
               <a:rPr lang="en-GB" dirty="0"/>
-              <a:t>Predicted minimum 100,000 sales in the first year</a:t>
+              <a:t>Looking for a 170,000 investment</a:t>
             </a:r>
           </a:p>
           <a:p>
             <a:r>
               <a:rPr lang="en-GB" dirty="0"/>
-              <a:t>Steam takes a 30% commission</a:t>
+              <a:t>We request 25% royalties from net profit</a:t>
             </a:r>
           </a:p>
           <a:p>
             <a:r>
               <a:rPr lang="en-GB" dirty="0"/>
-              <a:t>Projected income on Steam after commission - £769,300</a:t>
-            </a:r>
-          </a:p>
-          <a:p>
-            <a:r>
-              <a:rPr lang="en-GB" dirty="0"/>
-              <a:t>Any sales via itch.io will have a bigger return</a:t>
-            </a:r>
-          </a:p>
-          <a:p>
-            <a:pPr marL="0" indent="0">
-              <a:buNone/>
-            </a:pPr>
-            <a:endParaRPr lang="en-GB" dirty="0"/>
-          </a:p>
-          <a:p>
-            <a:r>
-              <a:rPr lang="en-GB" dirty="0"/>
-              <a:t>If we hit sales like similar top selling games (312,000 1</a:t>
-            </a:r>
-            <a:r>
-              <a:rPr lang="en-GB" baseline="30000" dirty="0"/>
-              <a:t>st</a:t>
-            </a:r>
-            <a:r>
-              <a:rPr lang="en-GB" dirty="0"/>
-              <a:t> year)</a:t>
-            </a:r>
-          </a:p>
-          <a:p>
-            <a:r>
-              <a:rPr lang="en-GB" dirty="0"/>
-              <a:t>Projected income on Steam after commission - £3,428,880</a:t>
+              <a:t>Development will take 10 months</a:t>
             </a:r>
           </a:p>
         </p:txBody>
@@ -4902,7 +4850,7 @@
     </p:spTree>
     <p:extLst>
       <p:ext uri="{BB962C8B-B14F-4D97-AF65-F5344CB8AC3E}">
-        <p14:creationId xmlns:p14="http://schemas.microsoft.com/office/powerpoint/2010/main" val="559473480"/>
+        <p14:creationId xmlns:p14="http://schemas.microsoft.com/office/powerpoint/2010/main" val="3005570212"/>
       </p:ext>
     </p:extLst>
   </p:cSld>
@@ -4934,7 +4882,7 @@
           <p:cNvPr id="2" name="Title 1">
             <a:extLst>
               <a:ext uri="{FF2B5EF4-FFF2-40B4-BE49-F238E27FC236}">
-                <a16:creationId xmlns:a16="http://schemas.microsoft.com/office/drawing/2014/main" id="{51A0697B-5630-4B0F-BBD6-53C84DD7C015}"/>
+                <a16:creationId xmlns:a16="http://schemas.microsoft.com/office/drawing/2014/main" id="{BABE7A99-5D0E-4795-8637-CACEFC70DA8F}"/>
               </a:ext>
             </a:extLst>
           </p:cNvPr>
@@ -4952,7 +4900,7 @@
           <a:p>
             <a:r>
               <a:rPr lang="en-GB" dirty="0"/>
-              <a:t>An estimate of the break-even point</a:t>
+              <a:t>Preliminary Income Projection</a:t>
             </a:r>
           </a:p>
         </p:txBody>
@@ -4962,7 +4910,7 @@
           <p:cNvPr id="3" name="Content Placeholder 2">
             <a:extLst>
               <a:ext uri="{FF2B5EF4-FFF2-40B4-BE49-F238E27FC236}">
-                <a16:creationId xmlns:a16="http://schemas.microsoft.com/office/drawing/2014/main" id="{F7F72B0D-0E08-4168-9519-CA4957D94B2C}"/>
+                <a16:creationId xmlns:a16="http://schemas.microsoft.com/office/drawing/2014/main" id="{B566687F-BA03-4EC7-ABEB-2B60BA314FAA}"/>
               </a:ext>
             </a:extLst>
           </p:cNvPr>
@@ -4975,18 +4923,58 @@
         </p:nvSpPr>
         <p:spPr/>
         <p:txBody>
-          <a:bodyPr/>
+          <a:bodyPr>
+            <a:normAutofit/>
+          </a:bodyPr>
           <a:lstStyle/>
           <a:p>
             <a:r>
               <a:rPr lang="en-GB" dirty="0"/>
-              <a:t>At minimum projected sales you recoup your money in 2.5 months of release</a:t>
+              <a:t>Predicted minimum 100,000 sales in the first year</a:t>
             </a:r>
           </a:p>
           <a:p>
             <a:r>
               <a:rPr lang="en-GB" dirty="0"/>
-              <a:t>At expected sales its within a month</a:t>
+              <a:t>Steam takes a 30% commission</a:t>
+            </a:r>
+          </a:p>
+          <a:p>
+            <a:r>
+              <a:rPr lang="en-GB" dirty="0"/>
+              <a:t>Projected income on Steam after commission - £769,300</a:t>
+            </a:r>
+          </a:p>
+          <a:p>
+            <a:r>
+              <a:rPr lang="en-GB" dirty="0"/>
+              <a:t>Any sales via itch.io will have a bigger return</a:t>
+            </a:r>
+          </a:p>
+          <a:p>
+            <a:pPr marL="0" indent="0">
+              <a:buNone/>
+            </a:pPr>
+            <a:endParaRPr lang="en-GB" dirty="0"/>
+          </a:p>
+          <a:p>
+            <a:r>
+              <a:rPr lang="en-GB" dirty="0"/>
+              <a:t>If we hit sales like similar top selling games (312,000 1</a:t>
+            </a:r>
+            <a:r>
+              <a:rPr lang="en-GB" baseline="30000" dirty="0"/>
+              <a:t>st</a:t>
+            </a:r>
+            <a:r>
+              <a:rPr lang="en-GB" dirty="0"/>
+              <a:t> year)</a:t>
+            </a:r>
+          </a:p>
+          <a:p>
+            <a:r>
+              <a:rPr lang="en-GB" dirty="0"/>
+              <a:t>Projected income on Steam after commission - £3,428,880</a:t>
             </a:r>
           </a:p>
         </p:txBody>
@@ -4994,7 +4982,7 @@
     </p:spTree>
     <p:extLst>
       <p:ext uri="{BB962C8B-B14F-4D97-AF65-F5344CB8AC3E}">
-        <p14:creationId xmlns:p14="http://schemas.microsoft.com/office/powerpoint/2010/main" val="468066406"/>
+        <p14:creationId xmlns:p14="http://schemas.microsoft.com/office/powerpoint/2010/main" val="559473480"/>
       </p:ext>
     </p:extLst>
   </p:cSld>
@@ -5026,6 +5014,98 @@
           <p:cNvPr id="2" name="Title 1">
             <a:extLst>
               <a:ext uri="{FF2B5EF4-FFF2-40B4-BE49-F238E27FC236}">
+                <a16:creationId xmlns:a16="http://schemas.microsoft.com/office/drawing/2014/main" id="{51A0697B-5630-4B0F-BBD6-53C84DD7C015}"/>
+              </a:ext>
+            </a:extLst>
+          </p:cNvPr>
+          <p:cNvSpPr>
+            <a:spLocks noGrp="1"/>
+          </p:cNvSpPr>
+          <p:nvPr>
+            <p:ph type="title"/>
+          </p:nvPr>
+        </p:nvSpPr>
+        <p:spPr/>
+        <p:txBody>
+          <a:bodyPr/>
+          <a:lstStyle/>
+          <a:p>
+            <a:r>
+              <a:rPr lang="en-GB" dirty="0"/>
+              <a:t>An estimate of the break-even point</a:t>
+            </a:r>
+          </a:p>
+        </p:txBody>
+      </p:sp>
+      <p:sp>
+        <p:nvSpPr>
+          <p:cNvPr id="3" name="Content Placeholder 2">
+            <a:extLst>
+              <a:ext uri="{FF2B5EF4-FFF2-40B4-BE49-F238E27FC236}">
+                <a16:creationId xmlns:a16="http://schemas.microsoft.com/office/drawing/2014/main" id="{F7F72B0D-0E08-4168-9519-CA4957D94B2C}"/>
+              </a:ext>
+            </a:extLst>
+          </p:cNvPr>
+          <p:cNvSpPr>
+            <a:spLocks noGrp="1"/>
+          </p:cNvSpPr>
+          <p:nvPr>
+            <p:ph idx="1"/>
+          </p:nvPr>
+        </p:nvSpPr>
+        <p:spPr/>
+        <p:txBody>
+          <a:bodyPr/>
+          <a:lstStyle/>
+          <a:p>
+            <a:r>
+              <a:rPr lang="en-GB" dirty="0"/>
+              <a:t>At minimum projected sales you recoup your money in 2.5 months of release</a:t>
+            </a:r>
+          </a:p>
+          <a:p>
+            <a:r>
+              <a:rPr lang="en-GB" dirty="0"/>
+              <a:t>At expected sales its within a month</a:t>
+            </a:r>
+          </a:p>
+        </p:txBody>
+      </p:sp>
+    </p:spTree>
+    <p:extLst>
+      <p:ext uri="{BB962C8B-B14F-4D97-AF65-F5344CB8AC3E}">
+        <p14:creationId xmlns:p14="http://schemas.microsoft.com/office/powerpoint/2010/main" val="468066406"/>
+      </p:ext>
+    </p:extLst>
+  </p:cSld>
+  <p:clrMapOvr>
+    <a:masterClrMapping/>
+  </p:clrMapOvr>
+</p:sld>
+</file>
+
+<file path=ppt/slides/slide13.xml><?xml version="1.0" encoding="utf-8"?>
+<p:sld xmlns:a="http://schemas.openxmlformats.org/drawingml/2006/main" xmlns:r="http://schemas.openxmlformats.org/officeDocument/2006/relationships" xmlns:p="http://schemas.openxmlformats.org/presentationml/2006/main">
+  <p:cSld>
+    <p:spTree>
+      <p:nvGrpSpPr>
+        <p:cNvPr id="1" name=""/>
+        <p:cNvGrpSpPr/>
+        <p:nvPr/>
+      </p:nvGrpSpPr>
+      <p:grpSpPr>
+        <a:xfrm>
+          <a:off x="0" y="0"/>
+          <a:ext cx="0" cy="0"/>
+          <a:chOff x="0" y="0"/>
+          <a:chExt cx="0" cy="0"/>
+        </a:xfrm>
+      </p:grpSpPr>
+      <p:sp>
+        <p:nvSpPr>
+          <p:cNvPr id="2" name="Title 1">
+            <a:extLst>
+              <a:ext uri="{FF2B5EF4-FFF2-40B4-BE49-F238E27FC236}">
                 <a16:creationId xmlns:a16="http://schemas.microsoft.com/office/drawing/2014/main" id="{500A6434-5C9D-45D6-9780-C2E561C57296}"/>
               </a:ext>
             </a:extLst>
@@ -5108,7 +5188,7 @@
 </p:sld>
 </file>
 
-<file path=ppt/slides/slide13.xml><?xml version="1.0" encoding="utf-8"?>
+<file path=ppt/slides/slide14.xml><?xml version="1.0" encoding="utf-8"?>
 <p:sld xmlns:a="http://schemas.openxmlformats.org/drawingml/2006/main" xmlns:r="http://schemas.openxmlformats.org/officeDocument/2006/relationships" xmlns:p="http://schemas.openxmlformats.org/presentationml/2006/main">
   <p:cSld>
     <p:spTree>
@@ -5228,7 +5308,7 @@
           <p:cNvPr id="2" name="Title 1">
             <a:extLst>
               <a:ext uri="{FF2B5EF4-FFF2-40B4-BE49-F238E27FC236}">
-                <a16:creationId xmlns:a16="http://schemas.microsoft.com/office/drawing/2014/main" id="{40CC7EDA-FAA1-475F-BE12-EA3EC109D0C4}"/>
+                <a16:creationId xmlns:a16="http://schemas.microsoft.com/office/drawing/2014/main" id="{405E2BE6-4E55-4E11-AB2F-33839C9301F5}"/>
               </a:ext>
             </a:extLst>
           </p:cNvPr>
@@ -5236,7 +5316,7 @@
             <a:spLocks noGrp="1"/>
           </p:cNvSpPr>
           <p:nvPr>
-            <p:ph type="title"/>
+            <p:ph type="ctrTitle"/>
           </p:nvPr>
         </p:nvSpPr>
         <p:spPr/>
@@ -5246,17 +5326,17 @@
           <a:p>
             <a:r>
               <a:rPr lang="en-GB" dirty="0"/>
-              <a:t>High Concept of the Game</a:t>
-            </a:r>
-          </a:p>
-        </p:txBody>
-      </p:sp>
-      <p:sp>
-        <p:nvSpPr>
-          <p:cNvPr id="3" name="Content Placeholder 2">
+              <a:t>Guidance</a:t>
+            </a:r>
+          </a:p>
+        </p:txBody>
+      </p:sp>
+      <p:sp>
+        <p:nvSpPr>
+          <p:cNvPr id="3" name="Subtitle 2">
             <a:extLst>
               <a:ext uri="{FF2B5EF4-FFF2-40B4-BE49-F238E27FC236}">
-                <a16:creationId xmlns:a16="http://schemas.microsoft.com/office/drawing/2014/main" id="{013CAD7F-F15D-4437-AE8F-C24F27F2A510}"/>
+                <a16:creationId xmlns:a16="http://schemas.microsoft.com/office/drawing/2014/main" id="{780AEBE9-5069-459A-AA09-F60AFD24D2A7}"/>
               </a:ext>
             </a:extLst>
           </p:cNvPr>
@@ -5264,29 +5344,22 @@
             <a:spLocks noGrp="1"/>
           </p:cNvSpPr>
           <p:nvPr>
-            <p:ph idx="1"/>
-          </p:nvPr>
-        </p:nvSpPr>
-        <p:spPr/>
-        <p:txBody>
-          <a:bodyPr/>
-          <a:lstStyle/>
-          <a:p>
-            <a:pPr marL="0" indent="0">
-              <a:buNone/>
-            </a:pPr>
+            <p:ph type="subTitle" idx="1"/>
+          </p:nvPr>
+        </p:nvSpPr>
+        <p:spPr/>
+        <p:txBody>
+          <a:bodyPr>
+            <a:normAutofit/>
+          </a:bodyPr>
+          <a:lstStyle/>
+          <a:p>
+            <a:endParaRPr lang="en-GB" dirty="0"/>
+          </a:p>
+          <a:p>
             <a:r>
               <a:rPr lang="en-GB" dirty="0"/>
-              <a:t>Guidance is a 2D co-operative multiplayer fantasy RPG game. The main character is controlled by one player who is unable to see past their feet, while the additional players are able to see the rooms clearly and provide directions to the character controller.  The additional players can either be using another PC with the game installed, or using a free smartphone app that connects to the game via the internet.</a:t>
-            </a:r>
-          </a:p>
-          <a:p>
-            <a:pPr marL="0" indent="0">
-              <a:buNone/>
-            </a:pPr>
-            <a:r>
-              <a:rPr lang="en-GB" dirty="0"/>
-              <a:t> </a:t>
+              <a:t>If Only Creations</a:t>
             </a:r>
           </a:p>
         </p:txBody>
@@ -5294,7 +5367,7 @@
     </p:spTree>
     <p:extLst>
       <p:ext uri="{BB962C8B-B14F-4D97-AF65-F5344CB8AC3E}">
-        <p14:creationId xmlns:p14="http://schemas.microsoft.com/office/powerpoint/2010/main" val="145893839"/>
+        <p14:creationId xmlns:p14="http://schemas.microsoft.com/office/powerpoint/2010/main" val="3741135292"/>
       </p:ext>
     </p:extLst>
   </p:cSld>
@@ -5326,7 +5399,7 @@
           <p:cNvPr id="2" name="Title 1">
             <a:extLst>
               <a:ext uri="{FF2B5EF4-FFF2-40B4-BE49-F238E27FC236}">
-                <a16:creationId xmlns:a16="http://schemas.microsoft.com/office/drawing/2014/main" id="{34F21485-48AD-4756-89BC-E97A2B0DCD56}"/>
+                <a16:creationId xmlns:a16="http://schemas.microsoft.com/office/drawing/2014/main" id="{40CC7EDA-FAA1-475F-BE12-EA3EC109D0C4}"/>
               </a:ext>
             </a:extLst>
           </p:cNvPr>
@@ -5344,7 +5417,7 @@
           <a:p>
             <a:r>
               <a:rPr lang="en-GB" dirty="0"/>
-              <a:t>Target Audience</a:t>
+              <a:t>High Concept of the Game</a:t>
             </a:r>
           </a:p>
         </p:txBody>
@@ -5354,7 +5427,7 @@
           <p:cNvPr id="3" name="Content Placeholder 2">
             <a:extLst>
               <a:ext uri="{FF2B5EF4-FFF2-40B4-BE49-F238E27FC236}">
-                <a16:creationId xmlns:a16="http://schemas.microsoft.com/office/drawing/2014/main" id="{A0DE776D-10D6-4211-8F8B-9E38EE417591}"/>
+                <a16:creationId xmlns:a16="http://schemas.microsoft.com/office/drawing/2014/main" id="{013CAD7F-F15D-4437-AE8F-C24F27F2A510}"/>
               </a:ext>
             </a:extLst>
           </p:cNvPr>
@@ -5365,12 +5438,7 @@
             <p:ph idx="1"/>
           </p:nvPr>
         </p:nvSpPr>
-        <p:spPr>
-          <a:xfrm>
-            <a:off x="2231136" y="2638044"/>
-            <a:ext cx="7729728" cy="3762756"/>
-          </a:xfrm>
-        </p:spPr>
+        <p:spPr/>
         <p:txBody>
           <a:bodyPr/>
           <a:lstStyle/>
@@ -5380,43 +5448,24 @@
             </a:pPr>
             <a:r>
               <a:rPr lang="en-GB" dirty="0"/>
-              <a:t>People looking for a more communicative and social type of game.</a:t>
-            </a:r>
-            <a:br>
+              <a:t>Guidance is a 2D co-operative multiplayer fantasy RPG game. The main character is controlled by one player who is unable to see past their feet, while the additional players are able to see the rooms clearly and provide directions to the character controller.  The additional players can either be using another PC with the game installed, or using a free smartphone app that connects to the game via the internet.</a:t>
+            </a:r>
+          </a:p>
+          <a:p>
+            <a:pPr marL="0" indent="0">
+              <a:buNone/>
+            </a:pPr>
+            <a:r>
               <a:rPr lang="en-GB" dirty="0"/>
-            </a:br>
-            <a:r>
-              <a:rPr lang="en-GB" dirty="0"/>
-              <a:t>(625,000 people purchased ‘Keep talking and nobody explodes’ a game based around communicating via voice to disarm a bomb)</a:t>
-            </a:r>
-          </a:p>
-          <a:p>
-            <a:pPr marL="0" indent="0">
-              <a:buNone/>
-            </a:pPr>
-            <a:endParaRPr lang="en-GB" dirty="0"/>
-          </a:p>
-          <a:p>
-            <a:pPr marL="0" indent="0">
-              <a:buNone/>
-            </a:pPr>
-            <a:r>
-              <a:rPr lang="en-GB" dirty="0"/>
-              <a:t>People wanting to play videos games with someone unable to access a computer to play on. Households with only one PC, people traveling away from home.</a:t>
-            </a:r>
-          </a:p>
-          <a:p>
-            <a:pPr marL="0" indent="0">
-              <a:buNone/>
-            </a:pPr>
-            <a:endParaRPr lang="en-GB" dirty="0"/>
+              <a:t> </a:t>
+            </a:r>
           </a:p>
         </p:txBody>
       </p:sp>
     </p:spTree>
     <p:extLst>
       <p:ext uri="{BB962C8B-B14F-4D97-AF65-F5344CB8AC3E}">
-        <p14:creationId xmlns:p14="http://schemas.microsoft.com/office/powerpoint/2010/main" val="765660091"/>
+        <p14:creationId xmlns:p14="http://schemas.microsoft.com/office/powerpoint/2010/main" val="145893839"/>
       </p:ext>
     </p:extLst>
   </p:cSld>
@@ -5448,7 +5497,7 @@
           <p:cNvPr id="2" name="Title 1">
             <a:extLst>
               <a:ext uri="{FF2B5EF4-FFF2-40B4-BE49-F238E27FC236}">
-                <a16:creationId xmlns:a16="http://schemas.microsoft.com/office/drawing/2014/main" id="{89AB4297-56EC-4DAC-940D-0973B927F73A}"/>
+                <a16:creationId xmlns:a16="http://schemas.microsoft.com/office/drawing/2014/main" id="{34F21485-48AD-4756-89BC-E97A2B0DCD56}"/>
               </a:ext>
             </a:extLst>
           </p:cNvPr>
@@ -5466,7 +5515,7 @@
           <a:p>
             <a:r>
               <a:rPr lang="en-GB" dirty="0"/>
-              <a:t>Core Game Mechanics</a:t>
+              <a:t>Target Audience</a:t>
             </a:r>
           </a:p>
         </p:txBody>
@@ -5476,7 +5525,7 @@
           <p:cNvPr id="3" name="Content Placeholder 2">
             <a:extLst>
               <a:ext uri="{FF2B5EF4-FFF2-40B4-BE49-F238E27FC236}">
-                <a16:creationId xmlns:a16="http://schemas.microsoft.com/office/drawing/2014/main" id="{46314555-2935-4AFF-B07E-FA885E723A32}"/>
+                <a16:creationId xmlns:a16="http://schemas.microsoft.com/office/drawing/2014/main" id="{A0DE776D-10D6-4211-8F8B-9E38EE417591}"/>
               </a:ext>
             </a:extLst>
           </p:cNvPr>
@@ -5487,49 +5536,50 @@
             <p:ph idx="1"/>
           </p:nvPr>
         </p:nvSpPr>
-        <p:spPr/>
-        <p:txBody>
-          <a:bodyPr>
-            <a:normAutofit/>
-          </a:bodyPr>
-          <a:lstStyle/>
-          <a:p>
+        <p:spPr>
+          <a:xfrm>
+            <a:off x="2231136" y="2638044"/>
+            <a:ext cx="7729728" cy="3762756"/>
+          </a:xfrm>
+        </p:spPr>
+        <p:txBody>
+          <a:bodyPr/>
+          <a:lstStyle/>
+          <a:p>
+            <a:pPr marL="0" indent="0">
+              <a:buNone/>
+            </a:pPr>
             <a:r>
               <a:rPr lang="en-GB" dirty="0"/>
-              <a:t>Character controller very limited vision</a:t>
-            </a:r>
-          </a:p>
-          <a:p>
-            <a:r>
+              <a:t>People looking for a more communicative and social type of game.</a:t>
+            </a:r>
+            <a:br>
               <a:rPr lang="en-GB" dirty="0"/>
-              <a:t>Additional player able to see to guide the character controller</a:t>
-            </a:r>
-          </a:p>
-          <a:p>
+            </a:br>
             <a:r>
               <a:rPr lang="en-GB" dirty="0"/>
-              <a:t>Additional players can’t ‘hear’ (see NPC text) this must be communicated by the controller</a:t>
-            </a:r>
-          </a:p>
-          <a:p>
+              <a:t>(625,000 people purchased ‘Keep talking and nobody explodes’ a game based around communicating via voice to disarm a bomb)</a:t>
+            </a:r>
+          </a:p>
+          <a:p>
+            <a:pPr marL="0" indent="0">
+              <a:buNone/>
+            </a:pPr>
+            <a:endParaRPr lang="en-GB" dirty="0"/>
+          </a:p>
+          <a:p>
+            <a:pPr marL="0" indent="0">
+              <a:buNone/>
+            </a:pPr>
             <a:r>
               <a:rPr lang="en-GB" dirty="0"/>
-              <a:t>Slow paced melee and ranged combat (swords and bows)</a:t>
-            </a:r>
-          </a:p>
-          <a:p>
-            <a:r>
-              <a:rPr lang="en-GB" dirty="0"/>
-              <a:t>Puzzles and riddles some requiring note taking or memory</a:t>
-            </a:r>
-          </a:p>
-          <a:p>
-            <a:r>
-              <a:rPr lang="en-GB" dirty="0"/>
-              <a:t>Procedurally generated rooms and audio, no playthrough is the same</a:t>
-            </a:r>
-          </a:p>
-          <a:p>
+              <a:t>People wanting to play videos games with someone unable to access a computer to play on. Households with only one PC, people traveling away from home.</a:t>
+            </a:r>
+          </a:p>
+          <a:p>
+            <a:pPr marL="0" indent="0">
+              <a:buNone/>
+            </a:pPr>
             <a:endParaRPr lang="en-GB" dirty="0"/>
           </a:p>
         </p:txBody>
@@ -5537,7 +5587,7 @@
     </p:spTree>
     <p:extLst>
       <p:ext uri="{BB962C8B-B14F-4D97-AF65-F5344CB8AC3E}">
-        <p14:creationId xmlns:p14="http://schemas.microsoft.com/office/powerpoint/2010/main" val="4088809930"/>
+        <p14:creationId xmlns:p14="http://schemas.microsoft.com/office/powerpoint/2010/main" val="765660091"/>
       </p:ext>
     </p:extLst>
   </p:cSld>
@@ -5569,7 +5619,7 @@
           <p:cNvPr id="2" name="Title 1">
             <a:extLst>
               <a:ext uri="{FF2B5EF4-FFF2-40B4-BE49-F238E27FC236}">
-                <a16:creationId xmlns:a16="http://schemas.microsoft.com/office/drawing/2014/main" id="{E400C7E4-A826-4ED7-9185-A7E3F076209D}"/>
+                <a16:creationId xmlns:a16="http://schemas.microsoft.com/office/drawing/2014/main" id="{89AB4297-56EC-4DAC-940D-0973B927F73A}"/>
               </a:ext>
             </a:extLst>
           </p:cNvPr>
@@ -5587,7 +5637,7 @@
           <a:p>
             <a:r>
               <a:rPr lang="en-GB" dirty="0"/>
-              <a:t>Unique Selling Points</a:t>
+              <a:t>Core Game Mechanics</a:t>
             </a:r>
           </a:p>
         </p:txBody>
@@ -5597,7 +5647,7 @@
           <p:cNvPr id="3" name="Content Placeholder 2">
             <a:extLst>
               <a:ext uri="{FF2B5EF4-FFF2-40B4-BE49-F238E27FC236}">
-                <a16:creationId xmlns:a16="http://schemas.microsoft.com/office/drawing/2014/main" id="{AB6C06C0-7F6C-4255-85B9-2D68A0B685E5}"/>
+                <a16:creationId xmlns:a16="http://schemas.microsoft.com/office/drawing/2014/main" id="{46314555-2935-4AFF-B07E-FA885E723A32}"/>
               </a:ext>
             </a:extLst>
           </p:cNvPr>
@@ -5610,53 +5660,55 @@
         </p:nvSpPr>
         <p:spPr/>
         <p:txBody>
-          <a:bodyPr/>
-          <a:lstStyle/>
-          <a:p>
-            <a:pPr marL="0" indent="0">
-              <a:buNone/>
-            </a:pPr>
+          <a:bodyPr>
+            <a:normAutofit/>
+          </a:bodyPr>
+          <a:lstStyle/>
+          <a:p>
             <a:r>
               <a:rPr lang="en-GB" dirty="0"/>
-              <a:t>Main controller must be guided by another player</a:t>
-            </a:r>
-          </a:p>
-          <a:p>
-            <a:pPr marL="0" indent="0">
-              <a:buNone/>
-            </a:pPr>
+              <a:t>Character controller very limited vision</a:t>
+            </a:r>
+          </a:p>
+          <a:p>
+            <a:r>
+              <a:rPr lang="en-GB" dirty="0"/>
+              <a:t>Additional player able to see to guide the character controller</a:t>
+            </a:r>
+          </a:p>
+          <a:p>
+            <a:r>
+              <a:rPr lang="en-GB" dirty="0"/>
+              <a:t>Additional players can’t ‘hear’ (see NPC text) this must be communicated by the controller</a:t>
+            </a:r>
+          </a:p>
+          <a:p>
+            <a:r>
+              <a:rPr lang="en-GB" dirty="0"/>
+              <a:t>Slow paced melee and ranged combat (swords and bows)</a:t>
+            </a:r>
+          </a:p>
+          <a:p>
+            <a:r>
+              <a:rPr lang="en-GB" dirty="0"/>
+              <a:t>Puzzles and riddles some requiring note taking or memory</a:t>
+            </a:r>
+          </a:p>
+          <a:p>
+            <a:r>
+              <a:rPr lang="en-GB" dirty="0"/>
+              <a:t>Procedurally generated rooms and audio, no playthrough is the same</a:t>
+            </a:r>
+          </a:p>
+          <a:p>
             <a:endParaRPr lang="en-GB" dirty="0"/>
-          </a:p>
-          <a:p>
-            <a:pPr marL="0" indent="0">
-              <a:buNone/>
-            </a:pPr>
-            <a:r>
-              <a:rPr lang="en-GB" dirty="0"/>
-              <a:t>Integration of smartphone app</a:t>
-            </a:r>
-          </a:p>
-          <a:p>
-            <a:pPr marL="0" indent="0">
-              <a:buNone/>
-            </a:pPr>
-            <a:endParaRPr lang="en-GB" dirty="0"/>
-          </a:p>
-          <a:p>
-            <a:pPr marL="0" indent="0">
-              <a:buNone/>
-            </a:pPr>
-            <a:r>
-              <a:rPr lang="en-GB" dirty="0"/>
-              <a:t>Comfortable for those with no video game experience to try out (specifically as guides)</a:t>
-            </a:r>
           </a:p>
         </p:txBody>
       </p:sp>
     </p:spTree>
     <p:extLst>
       <p:ext uri="{BB962C8B-B14F-4D97-AF65-F5344CB8AC3E}">
-        <p14:creationId xmlns:p14="http://schemas.microsoft.com/office/powerpoint/2010/main" val="1954191126"/>
+        <p14:creationId xmlns:p14="http://schemas.microsoft.com/office/powerpoint/2010/main" val="4088809930"/>
       </p:ext>
     </p:extLst>
   </p:cSld>
@@ -5688,6 +5740,125 @@
           <p:cNvPr id="2" name="Title 1">
             <a:extLst>
               <a:ext uri="{FF2B5EF4-FFF2-40B4-BE49-F238E27FC236}">
+                <a16:creationId xmlns:a16="http://schemas.microsoft.com/office/drawing/2014/main" id="{E400C7E4-A826-4ED7-9185-A7E3F076209D}"/>
+              </a:ext>
+            </a:extLst>
+          </p:cNvPr>
+          <p:cNvSpPr>
+            <a:spLocks noGrp="1"/>
+          </p:cNvSpPr>
+          <p:nvPr>
+            <p:ph type="title"/>
+          </p:nvPr>
+        </p:nvSpPr>
+        <p:spPr/>
+        <p:txBody>
+          <a:bodyPr/>
+          <a:lstStyle/>
+          <a:p>
+            <a:r>
+              <a:rPr lang="en-GB" dirty="0"/>
+              <a:t>Unique Selling Points</a:t>
+            </a:r>
+          </a:p>
+        </p:txBody>
+      </p:sp>
+      <p:sp>
+        <p:nvSpPr>
+          <p:cNvPr id="3" name="Content Placeholder 2">
+            <a:extLst>
+              <a:ext uri="{FF2B5EF4-FFF2-40B4-BE49-F238E27FC236}">
+                <a16:creationId xmlns:a16="http://schemas.microsoft.com/office/drawing/2014/main" id="{AB6C06C0-7F6C-4255-85B9-2D68A0B685E5}"/>
+              </a:ext>
+            </a:extLst>
+          </p:cNvPr>
+          <p:cNvSpPr>
+            <a:spLocks noGrp="1"/>
+          </p:cNvSpPr>
+          <p:nvPr>
+            <p:ph idx="1"/>
+          </p:nvPr>
+        </p:nvSpPr>
+        <p:spPr/>
+        <p:txBody>
+          <a:bodyPr/>
+          <a:lstStyle/>
+          <a:p>
+            <a:pPr marL="0" indent="0">
+              <a:buNone/>
+            </a:pPr>
+            <a:r>
+              <a:rPr lang="en-GB" dirty="0"/>
+              <a:t>Main controller must be guided by another player</a:t>
+            </a:r>
+          </a:p>
+          <a:p>
+            <a:pPr marL="0" indent="0">
+              <a:buNone/>
+            </a:pPr>
+            <a:endParaRPr lang="en-GB" dirty="0"/>
+          </a:p>
+          <a:p>
+            <a:pPr marL="0" indent="0">
+              <a:buNone/>
+            </a:pPr>
+            <a:r>
+              <a:rPr lang="en-GB" dirty="0"/>
+              <a:t>Integration of smartphone app</a:t>
+            </a:r>
+          </a:p>
+          <a:p>
+            <a:pPr marL="0" indent="0">
+              <a:buNone/>
+            </a:pPr>
+            <a:endParaRPr lang="en-GB" dirty="0"/>
+          </a:p>
+          <a:p>
+            <a:pPr marL="0" indent="0">
+              <a:buNone/>
+            </a:pPr>
+            <a:r>
+              <a:rPr lang="en-GB" dirty="0"/>
+              <a:t>Comfortable for those with no video game experience to try out (specifically as guides)</a:t>
+            </a:r>
+          </a:p>
+        </p:txBody>
+      </p:sp>
+    </p:spTree>
+    <p:extLst>
+      <p:ext uri="{BB962C8B-B14F-4D97-AF65-F5344CB8AC3E}">
+        <p14:creationId xmlns:p14="http://schemas.microsoft.com/office/powerpoint/2010/main" val="1954191126"/>
+      </p:ext>
+    </p:extLst>
+  </p:cSld>
+  <p:clrMapOvr>
+    <a:masterClrMapping/>
+  </p:clrMapOvr>
+</p:sld>
+</file>
+
+<file path=ppt/slides/slide7.xml><?xml version="1.0" encoding="utf-8"?>
+<p:sld xmlns:a="http://schemas.openxmlformats.org/drawingml/2006/main" xmlns:r="http://schemas.openxmlformats.org/officeDocument/2006/relationships" xmlns:p="http://schemas.openxmlformats.org/presentationml/2006/main">
+  <p:cSld>
+    <p:spTree>
+      <p:nvGrpSpPr>
+        <p:cNvPr id="1" name=""/>
+        <p:cNvGrpSpPr/>
+        <p:nvPr/>
+      </p:nvGrpSpPr>
+      <p:grpSpPr>
+        <a:xfrm>
+          <a:off x="0" y="0"/>
+          <a:ext cx="0" cy="0"/>
+          <a:chOff x="0" y="0"/>
+          <a:chExt cx="0" cy="0"/>
+        </a:xfrm>
+      </p:grpSpPr>
+      <p:sp>
+        <p:nvSpPr>
+          <p:cNvPr id="2" name="Title 1">
+            <a:extLst>
+              <a:ext uri="{FF2B5EF4-FFF2-40B4-BE49-F238E27FC236}">
                 <a16:creationId xmlns:a16="http://schemas.microsoft.com/office/drawing/2014/main" id="{B625170C-070D-4A40-A137-0714F736FF86}"/>
               </a:ext>
             </a:extLst>
@@ -5779,7 +5950,7 @@
 </p:sld>
 </file>
 
-<file path=ppt/slides/slide7.xml><?xml version="1.0" encoding="utf-8"?>
+<file path=ppt/slides/slide8.xml><?xml version="1.0" encoding="utf-8"?>
 <p:sld xmlns:a="http://schemas.openxmlformats.org/drawingml/2006/main" xmlns:r="http://schemas.openxmlformats.org/officeDocument/2006/relationships" xmlns:p="http://schemas.openxmlformats.org/presentationml/2006/main">
   <p:cSld>
     <p:spTree>
@@ -6251,153 +6422,6 @@
 </p:sld>
 </file>
 
-<file path=ppt/slides/slide8.xml><?xml version="1.0" encoding="utf-8"?>
-<p:sld xmlns:a="http://schemas.openxmlformats.org/drawingml/2006/main" xmlns:r="http://schemas.openxmlformats.org/officeDocument/2006/relationships" xmlns:p="http://schemas.openxmlformats.org/presentationml/2006/main">
-  <p:cSld>
-    <p:spTree>
-      <p:nvGrpSpPr>
-        <p:cNvPr id="1" name=""/>
-        <p:cNvGrpSpPr/>
-        <p:nvPr/>
-      </p:nvGrpSpPr>
-      <p:grpSpPr>
-        <a:xfrm>
-          <a:off x="0" y="0"/>
-          <a:ext cx="0" cy="0"/>
-          <a:chOff x="0" y="0"/>
-          <a:chExt cx="0" cy="0"/>
-        </a:xfrm>
-      </p:grpSpPr>
-      <p:sp>
-        <p:nvSpPr>
-          <p:cNvPr id="2" name="Title 1">
-            <a:extLst>
-              <a:ext uri="{FF2B5EF4-FFF2-40B4-BE49-F238E27FC236}">
-                <a16:creationId xmlns:a16="http://schemas.microsoft.com/office/drawing/2014/main" id="{7A31F0CA-6A5C-4131-A875-2D743EE36140}"/>
-              </a:ext>
-            </a:extLst>
-          </p:cNvPr>
-          <p:cNvSpPr>
-            <a:spLocks noGrp="1"/>
-          </p:cNvSpPr>
-          <p:nvPr>
-            <p:ph type="title"/>
-          </p:nvPr>
-        </p:nvSpPr>
-        <p:spPr/>
-        <p:txBody>
-          <a:bodyPr/>
-          <a:lstStyle/>
-          <a:p>
-            <a:r>
-              <a:rPr lang="en-GB" dirty="0"/>
-              <a:t>Development Costs</a:t>
-            </a:r>
-          </a:p>
-        </p:txBody>
-      </p:sp>
-      <p:sp>
-        <p:nvSpPr>
-          <p:cNvPr id="3" name="Content Placeholder 2">
-            <a:extLst>
-              <a:ext uri="{FF2B5EF4-FFF2-40B4-BE49-F238E27FC236}">
-                <a16:creationId xmlns:a16="http://schemas.microsoft.com/office/drawing/2014/main" id="{D5C9D780-EAA7-46BA-A659-40EB4661080C}"/>
-              </a:ext>
-            </a:extLst>
-          </p:cNvPr>
-          <p:cNvSpPr>
-            <a:spLocks noGrp="1"/>
-          </p:cNvSpPr>
-          <p:nvPr>
-            <p:ph idx="1"/>
-          </p:nvPr>
-        </p:nvSpPr>
-        <p:spPr/>
-        <p:txBody>
-          <a:bodyPr>
-            <a:normAutofit/>
-          </a:bodyPr>
-          <a:lstStyle/>
-          <a:p>
-            <a:r>
-              <a:rPr lang="en-GB" dirty="0"/>
-              <a:t>Rent &amp; bills - £7600</a:t>
-            </a:r>
-          </a:p>
-          <a:p>
-            <a:r>
-              <a:rPr lang="en-GB" dirty="0"/>
-              <a:t>Insurance - £1900</a:t>
-            </a:r>
-          </a:p>
-          <a:p>
-            <a:r>
-              <a:rPr lang="en-GB" dirty="0"/>
-              <a:t>Salaries - £150,000 (based on 6 people)</a:t>
-            </a:r>
-          </a:p>
-          <a:p>
-            <a:r>
-              <a:rPr lang="en-GB" dirty="0"/>
-              <a:t>Convention participation - £6000</a:t>
-            </a:r>
-          </a:p>
-          <a:p>
-            <a:r>
-              <a:rPr lang="en-GB" dirty="0"/>
-              <a:t>Legal/accountant fees - £4500</a:t>
-            </a:r>
-          </a:p>
-        </p:txBody>
-      </p:sp>
-      <p:sp>
-        <p:nvSpPr>
-          <p:cNvPr id="4" name="TextBox 3">
-            <a:extLst>
-              <a:ext uri="{FF2B5EF4-FFF2-40B4-BE49-F238E27FC236}">
-                <a16:creationId xmlns:a16="http://schemas.microsoft.com/office/drawing/2014/main" id="{7701EF6A-477C-48E7-B9F5-9ADE1A9F6AA2}"/>
-              </a:ext>
-            </a:extLst>
-          </p:cNvPr>
-          <p:cNvSpPr txBox="1"/>
-          <p:nvPr/>
-        </p:nvSpPr>
-        <p:spPr>
-          <a:xfrm>
-            <a:off x="3888265" y="2153412"/>
-            <a:ext cx="4415470" cy="369332"/>
-          </a:xfrm>
-          <a:prstGeom prst="rect">
-            <a:avLst/>
-          </a:prstGeom>
-          <a:noFill/>
-        </p:spPr>
-        <p:txBody>
-          <a:bodyPr wrap="square" rtlCol="0">
-            <a:spAutoFit/>
-          </a:bodyPr>
-          <a:lstStyle/>
-          <a:p>
-            <a:r>
-              <a:rPr lang="en-GB" dirty="0"/>
-              <a:t>These costs are based on a 10 month period</a:t>
-            </a:r>
-          </a:p>
-        </p:txBody>
-      </p:sp>
-    </p:spTree>
-    <p:extLst>
-      <p:ext uri="{BB962C8B-B14F-4D97-AF65-F5344CB8AC3E}">
-        <p14:creationId xmlns:p14="http://schemas.microsoft.com/office/powerpoint/2010/main" val="3486238483"/>
-      </p:ext>
-    </p:extLst>
-  </p:cSld>
-  <p:clrMapOvr>
-    <a:masterClrMapping/>
-  </p:clrMapOvr>
-</p:sld>
-</file>
-
 <file path=ppt/slides/slide9.xml><?xml version="1.0" encoding="utf-8"?>
 <p:sld xmlns:a="http://schemas.openxmlformats.org/drawingml/2006/main" xmlns:r="http://schemas.openxmlformats.org/officeDocument/2006/relationships" xmlns:p="http://schemas.openxmlformats.org/presentationml/2006/main">
   <p:cSld>
@@ -6420,7 +6444,7 @@
           <p:cNvPr id="2" name="Title 1">
             <a:extLst>
               <a:ext uri="{FF2B5EF4-FFF2-40B4-BE49-F238E27FC236}">
-                <a16:creationId xmlns:a16="http://schemas.microsoft.com/office/drawing/2014/main" id="{010ACB68-C8F8-4057-9961-9D20FC690DA9}"/>
+                <a16:creationId xmlns:a16="http://schemas.microsoft.com/office/drawing/2014/main" id="{7A31F0CA-6A5C-4131-A875-2D743EE36140}"/>
               </a:ext>
             </a:extLst>
           </p:cNvPr>
@@ -6438,7 +6462,7 @@
           <a:p>
             <a:r>
               <a:rPr lang="en-GB" dirty="0"/>
-              <a:t>Business Offer</a:t>
+              <a:t>Development Costs</a:t>
             </a:r>
           </a:p>
         </p:txBody>
@@ -6448,7 +6472,7 @@
           <p:cNvPr id="3" name="Content Placeholder 2">
             <a:extLst>
               <a:ext uri="{FF2B5EF4-FFF2-40B4-BE49-F238E27FC236}">
-                <a16:creationId xmlns:a16="http://schemas.microsoft.com/office/drawing/2014/main" id="{27B3D291-6660-48AD-A04C-52319BA98F72}"/>
+                <a16:creationId xmlns:a16="http://schemas.microsoft.com/office/drawing/2014/main" id="{D5C9D780-EAA7-46BA-A659-40EB4661080C}"/>
               </a:ext>
             </a:extLst>
           </p:cNvPr>
@@ -6461,24 +6485,73 @@
         </p:nvSpPr>
         <p:spPr/>
         <p:txBody>
-          <a:bodyPr/>
+          <a:bodyPr>
+            <a:normAutofit/>
+          </a:bodyPr>
           <a:lstStyle/>
           <a:p>
             <a:r>
               <a:rPr lang="en-GB" dirty="0"/>
-              <a:t>Looking for a 170,000 investment</a:t>
+              <a:t>Rent &amp; bills - £7600</a:t>
             </a:r>
           </a:p>
           <a:p>
             <a:r>
               <a:rPr lang="en-GB" dirty="0"/>
-              <a:t>We request 25% royalties from net profit</a:t>
+              <a:t>Insurance - £1900</a:t>
             </a:r>
           </a:p>
           <a:p>
             <a:r>
               <a:rPr lang="en-GB" dirty="0"/>
-              <a:t>Development will take 10 months</a:t>
+              <a:t>Salaries - £150,000 (based on 6 people)</a:t>
+            </a:r>
+          </a:p>
+          <a:p>
+            <a:r>
+              <a:rPr lang="en-GB" dirty="0"/>
+              <a:t>Convention participation - £6000</a:t>
+            </a:r>
+          </a:p>
+          <a:p>
+            <a:r>
+              <a:rPr lang="en-GB" dirty="0"/>
+              <a:t>Legal/accountant fees - £4500</a:t>
+            </a:r>
+          </a:p>
+        </p:txBody>
+      </p:sp>
+      <p:sp>
+        <p:nvSpPr>
+          <p:cNvPr id="4" name="TextBox 3">
+            <a:extLst>
+              <a:ext uri="{FF2B5EF4-FFF2-40B4-BE49-F238E27FC236}">
+                <a16:creationId xmlns:a16="http://schemas.microsoft.com/office/drawing/2014/main" id="{7701EF6A-477C-48E7-B9F5-9ADE1A9F6AA2}"/>
+              </a:ext>
+            </a:extLst>
+          </p:cNvPr>
+          <p:cNvSpPr txBox="1"/>
+          <p:nvPr/>
+        </p:nvSpPr>
+        <p:spPr>
+          <a:xfrm>
+            <a:off x="3888265" y="2153412"/>
+            <a:ext cx="4415470" cy="369332"/>
+          </a:xfrm>
+          <a:prstGeom prst="rect">
+            <a:avLst/>
+          </a:prstGeom>
+          <a:noFill/>
+        </p:spPr>
+        <p:txBody>
+          <a:bodyPr wrap="square" rtlCol="0">
+            <a:spAutoFit/>
+          </a:bodyPr>
+          <a:lstStyle/>
+          <a:p>
+            <a:r>
+              <a:rPr lang="en-GB" dirty="0"/>
+              <a:t>These costs are based on a 10 month period</a:t>
             </a:r>
           </a:p>
         </p:txBody>
@@ -6486,7 +6559,7 @@
     </p:spTree>
     <p:extLst>
       <p:ext uri="{BB962C8B-B14F-4D97-AF65-F5344CB8AC3E}">
-        <p14:creationId xmlns:p14="http://schemas.microsoft.com/office/powerpoint/2010/main" val="3005570212"/>
+        <p14:creationId xmlns:p14="http://schemas.microsoft.com/office/powerpoint/2010/main" val="3486238483"/>
       </p:ext>
     </p:extLst>
   </p:cSld>
